--- a/plots/Fig4 cross-tables.pptx
+++ b/plots/Fig4 cross-tables.pptx
@@ -197,7 +197,7 @@
           <a:p>
             <a:fld id="{4F97FC17-05F1-5941-99BF-2CFB8DD61DE7}" type="datetimeFigureOut">
               <a:rPr lang="en-US" smtClean="0"/>
-              <a:t>1/25/24</a:t>
+              <a:t>3/14/24</a:t>
             </a:fld>
             <a:endParaRPr lang="en-US"/>
           </a:p>
@@ -685,7 +685,7 @@
           <a:p>
             <a:fld id="{CE5BC49A-E8DF-6544-B7B9-136C9E9A9884}" type="datetimeFigureOut">
               <a:rPr lang="en-US" smtClean="0"/>
-              <a:t>1/25/24</a:t>
+              <a:t>3/14/24</a:t>
             </a:fld>
             <a:endParaRPr lang="en-US"/>
           </a:p>
@@ -855,7 +855,7 @@
           <a:p>
             <a:fld id="{CE5BC49A-E8DF-6544-B7B9-136C9E9A9884}" type="datetimeFigureOut">
               <a:rPr lang="en-US" smtClean="0"/>
-              <a:t>1/25/24</a:t>
+              <a:t>3/14/24</a:t>
             </a:fld>
             <a:endParaRPr lang="en-US"/>
           </a:p>
@@ -1035,7 +1035,7 @@
           <a:p>
             <a:fld id="{CE5BC49A-E8DF-6544-B7B9-136C9E9A9884}" type="datetimeFigureOut">
               <a:rPr lang="en-US" smtClean="0"/>
-              <a:t>1/25/24</a:t>
+              <a:t>3/14/24</a:t>
             </a:fld>
             <a:endParaRPr lang="en-US"/>
           </a:p>
@@ -1205,7 +1205,7 @@
           <a:p>
             <a:fld id="{CE5BC49A-E8DF-6544-B7B9-136C9E9A9884}" type="datetimeFigureOut">
               <a:rPr lang="en-US" smtClean="0"/>
-              <a:t>1/25/24</a:t>
+              <a:t>3/14/24</a:t>
             </a:fld>
             <a:endParaRPr lang="en-US"/>
           </a:p>
@@ -1451,7 +1451,7 @@
           <a:p>
             <a:fld id="{CE5BC49A-E8DF-6544-B7B9-136C9E9A9884}" type="datetimeFigureOut">
               <a:rPr lang="en-US" smtClean="0"/>
-              <a:t>1/25/24</a:t>
+              <a:t>3/14/24</a:t>
             </a:fld>
             <a:endParaRPr lang="en-US"/>
           </a:p>
@@ -1683,7 +1683,7 @@
           <a:p>
             <a:fld id="{CE5BC49A-E8DF-6544-B7B9-136C9E9A9884}" type="datetimeFigureOut">
               <a:rPr lang="en-US" smtClean="0"/>
-              <a:t>1/25/24</a:t>
+              <a:t>3/14/24</a:t>
             </a:fld>
             <a:endParaRPr lang="en-US"/>
           </a:p>
@@ -2050,7 +2050,7 @@
           <a:p>
             <a:fld id="{CE5BC49A-E8DF-6544-B7B9-136C9E9A9884}" type="datetimeFigureOut">
               <a:rPr lang="en-US" smtClean="0"/>
-              <a:t>1/25/24</a:t>
+              <a:t>3/14/24</a:t>
             </a:fld>
             <a:endParaRPr lang="en-US"/>
           </a:p>
@@ -2168,7 +2168,7 @@
           <a:p>
             <a:fld id="{CE5BC49A-E8DF-6544-B7B9-136C9E9A9884}" type="datetimeFigureOut">
               <a:rPr lang="en-US" smtClean="0"/>
-              <a:t>1/25/24</a:t>
+              <a:t>3/14/24</a:t>
             </a:fld>
             <a:endParaRPr lang="en-US"/>
           </a:p>
@@ -2263,7 +2263,7 @@
           <a:p>
             <a:fld id="{CE5BC49A-E8DF-6544-B7B9-136C9E9A9884}" type="datetimeFigureOut">
               <a:rPr lang="en-US" smtClean="0"/>
-              <a:t>1/25/24</a:t>
+              <a:t>3/14/24</a:t>
             </a:fld>
             <a:endParaRPr lang="en-US"/>
           </a:p>
@@ -2540,7 +2540,7 @@
           <a:p>
             <a:fld id="{CE5BC49A-E8DF-6544-B7B9-136C9E9A9884}" type="datetimeFigureOut">
               <a:rPr lang="en-US" smtClean="0"/>
-              <a:t>1/25/24</a:t>
+              <a:t>3/14/24</a:t>
             </a:fld>
             <a:endParaRPr lang="en-US"/>
           </a:p>
@@ -2797,7 +2797,7 @@
           <a:p>
             <a:fld id="{CE5BC49A-E8DF-6544-B7B9-136C9E9A9884}" type="datetimeFigureOut">
               <a:rPr lang="en-US" smtClean="0"/>
-              <a:t>1/25/24</a:t>
+              <a:t>3/14/24</a:t>
             </a:fld>
             <a:endParaRPr lang="en-US"/>
           </a:p>
@@ -3010,7 +3010,7 @@
           <a:p>
             <a:fld id="{CE5BC49A-E8DF-6544-B7B9-136C9E9A9884}" type="datetimeFigureOut">
               <a:rPr lang="en-US" smtClean="0"/>
-              <a:t>1/25/24</a:t>
+              <a:t>3/14/24</a:t>
             </a:fld>
             <a:endParaRPr lang="en-US"/>
           </a:p>
@@ -3615,7 +3615,7 @@
           <p:nvPr>
             <p:extLst>
               <p:ext uri="{D42A27DB-BD31-4B8C-83A1-F6EECF244321}">
-                <p14:modId xmlns:p14="http://schemas.microsoft.com/office/powerpoint/2010/main" val="732570951"/>
+                <p14:modId xmlns:p14="http://schemas.microsoft.com/office/powerpoint/2010/main" val="1832285994"/>
               </p:ext>
             </p:extLst>
           </p:nvPr>
@@ -3918,7 +3918,7 @@
                         <a:rPr lang="en-US" sz="1500" dirty="0">
                           <a:latin typeface="Helvetica" pitchFamily="2" charset="0"/>
                         </a:rPr>
-                        <a:t>2979</a:t>
+                        <a:t>2973</a:t>
                       </a:r>
                     </a:p>
                   </a:txBody>
@@ -4669,7 +4669,7 @@
             <p:nvPr>
               <p:extLst>
                 <p:ext uri="{D42A27DB-BD31-4B8C-83A1-F6EECF244321}">
-                  <p14:modId xmlns:p14="http://schemas.microsoft.com/office/powerpoint/2010/main" val="2696431056"/>
+                  <p14:modId xmlns:p14="http://schemas.microsoft.com/office/powerpoint/2010/main" val="2737458915"/>
                 </p:ext>
               </p:extLst>
             </p:nvPr>
@@ -4969,7 +4969,7 @@
                           <a:rPr lang="en-US" sz="1500" dirty="0">
                             <a:latin typeface="Helvetica" pitchFamily="2" charset="0"/>
                           </a:rPr>
-                          <a:t>2996</a:t>
+                          <a:t>2990</a:t>
                         </a:r>
                       </a:p>
                     </a:txBody>
@@ -6239,7 +6239,7 @@
             <p:nvPr>
               <p:extLst>
                 <p:ext uri="{D42A27DB-BD31-4B8C-83A1-F6EECF244321}">
-                  <p14:modId xmlns:p14="http://schemas.microsoft.com/office/powerpoint/2010/main" val="3129929109"/>
+                  <p14:modId xmlns:p14="http://schemas.microsoft.com/office/powerpoint/2010/main" val="1462472074"/>
                 </p:ext>
               </p:extLst>
             </p:nvPr>
@@ -6436,7 +6436,7 @@
                           <a:rPr lang="en-US" sz="1500" dirty="0">
                             <a:latin typeface="Helvetica" pitchFamily="2" charset="0"/>
                           </a:rPr>
-                          <a:t>3259</a:t>
+                          <a:t>3253</a:t>
                         </a:r>
                       </a:p>
                     </a:txBody>
@@ -6682,7 +6682,7 @@
             <p:nvPr>
               <p:extLst>
                 <p:ext uri="{D42A27DB-BD31-4B8C-83A1-F6EECF244321}">
-                  <p14:modId xmlns:p14="http://schemas.microsoft.com/office/powerpoint/2010/main" val="2692969735"/>
+                  <p14:modId xmlns:p14="http://schemas.microsoft.com/office/powerpoint/2010/main" val="3436919047"/>
                 </p:ext>
               </p:extLst>
             </p:nvPr>
@@ -6879,7 +6879,7 @@
                           <a:rPr lang="en-US" sz="1500" dirty="0">
                             <a:latin typeface="Helvetica" pitchFamily="2" charset="0"/>
                           </a:rPr>
-                          <a:t>3233</a:t>
+                          <a:t>3227</a:t>
                         </a:r>
                       </a:p>
                     </a:txBody>
@@ -7484,7 +7484,7 @@
           <p:nvPr>
             <p:extLst>
               <p:ext uri="{D42A27DB-BD31-4B8C-83A1-F6EECF244321}">
-                <p14:modId xmlns:p14="http://schemas.microsoft.com/office/powerpoint/2010/main" val="1312383336"/>
+                <p14:modId xmlns:p14="http://schemas.microsoft.com/office/powerpoint/2010/main" val="724999460"/>
               </p:ext>
             </p:extLst>
           </p:nvPr>
@@ -7681,7 +7681,7 @@
                         <a:rPr lang="en-US" sz="1500" dirty="0">
                           <a:latin typeface="Helvetica" pitchFamily="2" charset="0"/>
                         </a:rPr>
-                        <a:t>3140</a:t>
+                        <a:t>3134</a:t>
                       </a:r>
                     </a:p>
                   </a:txBody>
@@ -7925,7 +7925,7 @@
           <p:nvPr>
             <p:extLst>
               <p:ext uri="{D42A27DB-BD31-4B8C-83A1-F6EECF244321}">
-                <p14:modId xmlns:p14="http://schemas.microsoft.com/office/powerpoint/2010/main" val="950310274"/>
+                <p14:modId xmlns:p14="http://schemas.microsoft.com/office/powerpoint/2010/main" val="991363717"/>
               </p:ext>
             </p:extLst>
           </p:nvPr>
@@ -8125,7 +8125,7 @@
                         <a:rPr lang="en-US" sz="1500" dirty="0">
                           <a:latin typeface="Helvetica" pitchFamily="2" charset="0"/>
                         </a:rPr>
-                        <a:t>3228</a:t>
+                        <a:t>3222</a:t>
                       </a:r>
                     </a:p>
                   </a:txBody>
